--- a/docs/ppt/storyboard_v1.pptx
+++ b/docs/ppt/storyboard_v1.pptx
@@ -19,6 +19,7 @@
     <p:sldId id="272" r:id="rId13"/>
     <p:sldId id="273" r:id="rId14"/>
     <p:sldId id="267" r:id="rId15"/>
+    <p:sldId id="274" r:id="rId16"/>
   </p:sldIdLst>
   <p:sldSz cx="12192000" cy="6858000"/>
   <p:notesSz cx="6858000" cy="9144000"/>
@@ -117,6 +118,11 @@
       </a:defRPr>
     </a:lvl9pPr>
   </p:defaultTextStyle>
+  <p:extLst>
+    <p:ext uri="{EFAFB233-063F-42B5-8137-9DF3F51BA10A}">
+      <p15:sldGuideLst xmlns:p15="http://schemas.microsoft.com/office/powerpoint/2012/main"/>
+    </p:ext>
+  </p:extLst>
 </p:presentation>
 </file>
 
@@ -5096,7 +5102,7 @@
         </p:blipFill>
         <p:spPr>
           <a:xfrm>
-            <a:off x="0" y="2452416"/>
+            <a:off x="0" y="771398"/>
             <a:ext cx="12192000" cy="368462"/>
           </a:xfrm>
           <a:prstGeom prst="rect">
@@ -5128,7 +5134,7 @@
         </p:nvSpPr>
         <p:spPr>
           <a:xfrm>
-            <a:off x="242069" y="4405584"/>
+            <a:off x="242069" y="1362794"/>
             <a:ext cx="11707859" cy="369332"/>
           </a:xfrm>
           <a:prstGeom prst="rect">
@@ -5194,10 +5200,361 @@
           </a:p>
         </p:txBody>
       </p:sp>
+      <p:pic>
+        <p:nvPicPr>
+          <p:cNvPr id="6" name="그림 5" descr="텍스트, 스크린샷, 소프트웨어, 번호이(가) 표시된 사진&#10;&#10;AI 생성 콘텐츠는 정확하지 않을 수 있습니다.">
+            <a:extLst>
+              <a:ext uri="{FF2B5EF4-FFF2-40B4-BE49-F238E27FC236}">
+                <a16:creationId xmlns:a16="http://schemas.microsoft.com/office/drawing/2014/main" id="{316B5273-1AC5-44CA-B899-C6D5892F6F7F}"/>
+              </a:ext>
+            </a:extLst>
+          </p:cNvPr>
+          <p:cNvPicPr>
+            <a:picLocks noChangeAspect="1"/>
+          </p:cNvPicPr>
+          <p:nvPr/>
+        </p:nvPicPr>
+        <p:blipFill>
+          <a:blip r:embed="rId3"/>
+          <a:stretch>
+            <a:fillRect/>
+          </a:stretch>
+        </p:blipFill>
+        <p:spPr>
+          <a:xfrm>
+            <a:off x="489527" y="1955060"/>
+            <a:ext cx="5338618" cy="3299430"/>
+          </a:xfrm>
+          <a:prstGeom prst="rect">
+            <a:avLst/>
+          </a:prstGeom>
+          <a:ln>
+            <a:noFill/>
+          </a:ln>
+          <a:effectLst>
+            <a:outerShdw blurRad="292100" dist="139700" dir="2700000" algn="tl" rotWithShape="0">
+              <a:srgbClr val="333333">
+                <a:alpha val="65000"/>
+              </a:srgbClr>
+            </a:outerShdw>
+          </a:effectLst>
+        </p:spPr>
+      </p:pic>
+      <p:pic>
+        <p:nvPicPr>
+          <p:cNvPr id="8" name="그림 7" descr="텍스트, 소프트웨어, 번호, 컴퓨터 아이콘이(가) 표시된 사진&#10;&#10;AI 생성 콘텐츠는 정확하지 않을 수 있습니다.">
+            <a:extLst>
+              <a:ext uri="{FF2B5EF4-FFF2-40B4-BE49-F238E27FC236}">
+                <a16:creationId xmlns:a16="http://schemas.microsoft.com/office/drawing/2014/main" id="{D03221CE-E179-869F-BAF8-BED74A505B71}"/>
+              </a:ext>
+            </a:extLst>
+          </p:cNvPr>
+          <p:cNvPicPr>
+            <a:picLocks noChangeAspect="1"/>
+          </p:cNvPicPr>
+          <p:nvPr/>
+        </p:nvPicPr>
+        <p:blipFill>
+          <a:blip r:embed="rId4"/>
+          <a:stretch>
+            <a:fillRect/>
+          </a:stretch>
+        </p:blipFill>
+        <p:spPr>
+          <a:xfrm>
+            <a:off x="6095998" y="1955060"/>
+            <a:ext cx="5457256" cy="3299430"/>
+          </a:xfrm>
+          <a:prstGeom prst="rect">
+            <a:avLst/>
+          </a:prstGeom>
+          <a:ln>
+            <a:noFill/>
+          </a:ln>
+          <a:effectLst>
+            <a:outerShdw blurRad="292100" dist="139700" dir="2700000" algn="tl" rotWithShape="0">
+              <a:srgbClr val="333333">
+                <a:alpha val="65000"/>
+              </a:srgbClr>
+            </a:outerShdw>
+          </a:effectLst>
+        </p:spPr>
+      </p:pic>
+      <p:sp>
+        <p:nvSpPr>
+          <p:cNvPr id="9" name="TextBox 8">
+            <a:extLst>
+              <a:ext uri="{FF2B5EF4-FFF2-40B4-BE49-F238E27FC236}">
+                <a16:creationId xmlns:a16="http://schemas.microsoft.com/office/drawing/2014/main" id="{07FB6A3C-79D8-744A-48FD-A2973FDD54F8}"/>
+              </a:ext>
+            </a:extLst>
+          </p:cNvPr>
+          <p:cNvSpPr txBox="1"/>
+          <p:nvPr/>
+        </p:nvSpPr>
+        <p:spPr>
+          <a:xfrm>
+            <a:off x="242069" y="5495206"/>
+            <a:ext cx="11707859" cy="369332"/>
+          </a:xfrm>
+          <a:prstGeom prst="rect">
+            <a:avLst/>
+          </a:prstGeom>
+        </p:spPr>
+        <p:style>
+          <a:lnRef idx="2">
+            <a:schemeClr val="dk1"/>
+          </a:lnRef>
+          <a:fillRef idx="1">
+            <a:schemeClr val="lt1"/>
+          </a:fillRef>
+          <a:effectRef idx="0">
+            <a:schemeClr val="dk1"/>
+          </a:effectRef>
+          <a:fontRef idx="minor">
+            <a:schemeClr val="dk1"/>
+          </a:fontRef>
+        </p:style>
+        <p:txBody>
+          <a:bodyPr wrap="square" rtlCol="0">
+            <a:spAutoFit/>
+          </a:bodyPr>
+          <a:lstStyle/>
+          <a:p>
+            <a:pPr marL="285750" indent="-285750">
+              <a:buFontTx/>
+              <a:buChar char="-"/>
+            </a:pPr>
+            <a:r>
+              <a:rPr lang="ko-KR" altLang="en-US" dirty="0"/>
+              <a:t>스크롤 및 버튼으로 움직이면 </a:t>
+            </a:r>
+            <a:r>
+              <a:rPr lang="en-US" altLang="ko-KR" dirty="0"/>
+              <a:t>chart </a:t>
+            </a:r>
+            <a:r>
+              <a:rPr lang="ko-KR" altLang="en-US" dirty="0"/>
+              <a:t>영역은 물론 </a:t>
+            </a:r>
+            <a:r>
+              <a:rPr lang="en-US" altLang="ko-KR" dirty="0"/>
+              <a:t>header </a:t>
+            </a:r>
+            <a:r>
+              <a:rPr lang="ko-KR" altLang="en-US" dirty="0"/>
+              <a:t>데이터까지 함께 움직이며 깨지지 않는다</a:t>
+            </a:r>
+            <a:r>
+              <a:rPr lang="en-US" altLang="ko-KR" dirty="0"/>
+              <a:t>.</a:t>
+            </a:r>
+          </a:p>
+        </p:txBody>
+      </p:sp>
     </p:spTree>
     <p:extLst>
       <p:ext uri="{BB962C8B-B14F-4D97-AF65-F5344CB8AC3E}">
         <p14:creationId xmlns:p14="http://schemas.microsoft.com/office/powerpoint/2010/main" val="4093179275"/>
+      </p:ext>
+    </p:extLst>
+  </p:cSld>
+  <p:clrMapOvr>
+    <a:masterClrMapping/>
+  </p:clrMapOvr>
+</p:sld>
+</file>
+
+<file path=ppt/slides/slide15.xml><?xml version="1.0" encoding="utf-8"?>
+<p:sld xmlns:a="http://schemas.openxmlformats.org/drawingml/2006/main" xmlns:r="http://schemas.openxmlformats.org/officeDocument/2006/relationships" xmlns:p="http://schemas.openxmlformats.org/presentationml/2006/main">
+  <p:cSld>
+    <p:spTree>
+      <p:nvGrpSpPr>
+        <p:cNvPr id="1" name="">
+          <a:extLst>
+            <a:ext uri="{FF2B5EF4-FFF2-40B4-BE49-F238E27FC236}">
+              <a16:creationId xmlns:a16="http://schemas.microsoft.com/office/drawing/2014/main" id="{F8A3325A-A23C-5A79-8675-7E241314D942}"/>
+            </a:ext>
+          </a:extLst>
+        </p:cNvPr>
+        <p:cNvGrpSpPr/>
+        <p:nvPr/>
+      </p:nvGrpSpPr>
+      <p:grpSpPr>
+        <a:xfrm>
+          <a:off x="0" y="0"/>
+          <a:ext cx="0" cy="0"/>
+          <a:chOff x="0" y="0"/>
+          <a:chExt cx="0" cy="0"/>
+        </a:xfrm>
+      </p:grpSpPr>
+      <p:sp>
+        <p:nvSpPr>
+          <p:cNvPr id="2" name="사각형: 둥근 모서리 1">
+            <a:extLst>
+              <a:ext uri="{FF2B5EF4-FFF2-40B4-BE49-F238E27FC236}">
+                <a16:creationId xmlns:a16="http://schemas.microsoft.com/office/drawing/2014/main" id="{4B59E21B-DA0E-3C2B-861E-A41C59143080}"/>
+              </a:ext>
+            </a:extLst>
+          </p:cNvPr>
+          <p:cNvSpPr/>
+          <p:nvPr/>
+        </p:nvSpPr>
+        <p:spPr>
+          <a:xfrm>
+            <a:off x="175491" y="92364"/>
+            <a:ext cx="4516582" cy="456100"/>
+          </a:xfrm>
+          <a:prstGeom prst="roundRect">
+            <a:avLst/>
+          </a:prstGeom>
+        </p:spPr>
+        <p:style>
+          <a:lnRef idx="2">
+            <a:schemeClr val="accent1">
+              <a:shade val="15000"/>
+            </a:schemeClr>
+          </a:lnRef>
+          <a:fillRef idx="1">
+            <a:schemeClr val="accent1"/>
+          </a:fillRef>
+          <a:effectRef idx="0">
+            <a:schemeClr val="accent1"/>
+          </a:effectRef>
+          <a:fontRef idx="minor">
+            <a:schemeClr val="lt1"/>
+          </a:fontRef>
+        </p:style>
+        <p:txBody>
+          <a:bodyPr rtlCol="0" anchor="ctr"/>
+          <a:lstStyle/>
+          <a:p>
+            <a:pPr algn="ctr"/>
+            <a:r>
+              <a:rPr lang="en-US" altLang="ko-KR" dirty="0"/>
+              <a:t>+ New</a:t>
+            </a:r>
+            <a:r>
+              <a:rPr lang="ko-KR" altLang="en-US" dirty="0"/>
+              <a:t> </a:t>
+            </a:r>
+            <a:r>
+              <a:rPr lang="en-US" altLang="ko-KR" dirty="0"/>
+              <a:t>button</a:t>
+            </a:r>
+            <a:endParaRPr lang="ko-KR" altLang="en-US" dirty="0"/>
+          </a:p>
+        </p:txBody>
+      </p:sp>
+      <p:sp>
+        <p:nvSpPr>
+          <p:cNvPr id="9" name="TextBox 8">
+            <a:extLst>
+              <a:ext uri="{FF2B5EF4-FFF2-40B4-BE49-F238E27FC236}">
+                <a16:creationId xmlns:a16="http://schemas.microsoft.com/office/drawing/2014/main" id="{F50FEEAA-F4F5-CC76-1911-18E5986B7517}"/>
+              </a:ext>
+            </a:extLst>
+          </p:cNvPr>
+          <p:cNvSpPr txBox="1"/>
+          <p:nvPr/>
+        </p:nvSpPr>
+        <p:spPr>
+          <a:xfrm>
+            <a:off x="242069" y="5495206"/>
+            <a:ext cx="11707859" cy="369332"/>
+          </a:xfrm>
+          <a:prstGeom prst="rect">
+            <a:avLst/>
+          </a:prstGeom>
+        </p:spPr>
+        <p:style>
+          <a:lnRef idx="2">
+            <a:schemeClr val="dk1"/>
+          </a:lnRef>
+          <a:fillRef idx="1">
+            <a:schemeClr val="lt1"/>
+          </a:fillRef>
+          <a:effectRef idx="0">
+            <a:schemeClr val="dk1"/>
+          </a:effectRef>
+          <a:fontRef idx="minor">
+            <a:schemeClr val="dk1"/>
+          </a:fontRef>
+        </p:style>
+        <p:txBody>
+          <a:bodyPr wrap="square" rtlCol="0">
+            <a:spAutoFit/>
+          </a:bodyPr>
+          <a:lstStyle/>
+          <a:p>
+            <a:pPr marL="285750" indent="-285750">
+              <a:buFontTx/>
+              <a:buChar char="-"/>
+            </a:pPr>
+            <a:r>
+              <a:rPr lang="ko-KR" altLang="en-US" dirty="0"/>
+              <a:t>좌측 하단에 </a:t>
+            </a:r>
+            <a:r>
+              <a:rPr lang="en-US" altLang="ko-KR" dirty="0"/>
+              <a:t>“+ New” </a:t>
+            </a:r>
+            <a:r>
+              <a:rPr lang="ko-KR" altLang="en-US" dirty="0"/>
+              <a:t>버튼이 있는데 이 기능은 구현하지 않음으로 표시하지도 않는다</a:t>
+            </a:r>
+            <a:r>
+              <a:rPr lang="en-US" altLang="ko-KR"/>
+              <a:t>.</a:t>
+            </a:r>
+            <a:endParaRPr lang="en-US" altLang="ko-KR" dirty="0"/>
+          </a:p>
+        </p:txBody>
+      </p:sp>
+      <p:pic>
+        <p:nvPicPr>
+          <p:cNvPr id="7" name="그림 6" descr="텍스트, 스크린샷, 폰트, 번호이(가) 표시된 사진&#10;&#10;AI 생성 콘텐츠는 정확하지 않을 수 있습니다.">
+            <a:extLst>
+              <a:ext uri="{FF2B5EF4-FFF2-40B4-BE49-F238E27FC236}">
+                <a16:creationId xmlns:a16="http://schemas.microsoft.com/office/drawing/2014/main" id="{3ED917F0-18EB-441C-56B5-68BA35CB8367}"/>
+              </a:ext>
+            </a:extLst>
+          </p:cNvPr>
+          <p:cNvPicPr>
+            <a:picLocks noChangeAspect="1"/>
+          </p:cNvPicPr>
+          <p:nvPr/>
+        </p:nvPicPr>
+        <p:blipFill>
+          <a:blip r:embed="rId2"/>
+          <a:stretch>
+            <a:fillRect/>
+          </a:stretch>
+        </p:blipFill>
+        <p:spPr>
+          <a:xfrm>
+            <a:off x="3595338" y="2176287"/>
+            <a:ext cx="5001323" cy="2505425"/>
+          </a:xfrm>
+          <a:prstGeom prst="rect">
+            <a:avLst/>
+          </a:prstGeom>
+          <a:ln>
+            <a:noFill/>
+          </a:ln>
+          <a:effectLst>
+            <a:outerShdw blurRad="292100" dist="139700" dir="2700000" algn="tl" rotWithShape="0">
+              <a:srgbClr val="333333">
+                <a:alpha val="65000"/>
+              </a:srgbClr>
+            </a:outerShdw>
+          </a:effectLst>
+        </p:spPr>
+      </p:pic>
+    </p:spTree>
+    <p:extLst>
+      <p:ext uri="{BB962C8B-B14F-4D97-AF65-F5344CB8AC3E}">
+        <p14:creationId xmlns:p14="http://schemas.microsoft.com/office/powerpoint/2010/main" val="1160722377"/>
       </p:ext>
     </p:extLst>
   </p:cSld>
